--- a/week15/Lab15.pptx
+++ b/week15/Lab15.pptx
@@ -218,7 +218,7 @@
           <a:p>
             <a:fld id="{D1237EF7-A117-46B7-88A8-1B7FB98FF0F2}" type="datetimeFigureOut">
               <a:rPr lang="zh-CN" altLang="en-US" smtClean="0"/>
-              <a:t>2023/5/18</a:t>
+              <a:t>2023/5/24</a:t>
             </a:fld>
             <a:endParaRPr lang="zh-CN" altLang="en-US"/>
           </a:p>
@@ -2393,7 +2393,7 @@
           <a:p>
             <a:fld id="{FC19A4FA-3D9A-4114-B0D5-759CBD56F1AB}" type="datetimeFigureOut">
               <a:rPr lang="zh-CN" altLang="en-US" smtClean="0"/>
-              <a:t>2023/5/18</a:t>
+              <a:t>2023/5/24</a:t>
             </a:fld>
             <a:endParaRPr lang="zh-CN" altLang="en-US"/>
           </a:p>
@@ -2587,7 +2587,7 @@
           <a:p>
             <a:fld id="{FC19A4FA-3D9A-4114-B0D5-759CBD56F1AB}" type="datetimeFigureOut">
               <a:rPr lang="zh-CN" altLang="en-US" smtClean="0"/>
-              <a:t>2023/5/18</a:t>
+              <a:t>2023/5/24</a:t>
             </a:fld>
             <a:endParaRPr lang="zh-CN" altLang="en-US"/>
           </a:p>
@@ -2760,7 +2760,7 @@
           <a:p>
             <a:fld id="{FC19A4FA-3D9A-4114-B0D5-759CBD56F1AB}" type="datetimeFigureOut">
               <a:rPr lang="zh-CN" altLang="en-US" smtClean="0"/>
-              <a:t>2023/5/18</a:t>
+              <a:t>2023/5/24</a:t>
             </a:fld>
             <a:endParaRPr lang="zh-CN" altLang="en-US"/>
           </a:p>
@@ -2944,7 +2944,7 @@
           <a:p>
             <a:fld id="{FC19A4FA-3D9A-4114-B0D5-759CBD56F1AB}" type="datetimeFigureOut">
               <a:rPr lang="zh-CN" altLang="en-US" smtClean="0"/>
-              <a:t>2023/5/18</a:t>
+              <a:t>2023/5/24</a:t>
             </a:fld>
             <a:endParaRPr lang="zh-CN" altLang="en-US"/>
           </a:p>
@@ -3201,7 +3201,7 @@
           <a:p>
             <a:fld id="{FC19A4FA-3D9A-4114-B0D5-759CBD56F1AB}" type="datetimeFigureOut">
               <a:rPr lang="zh-CN" altLang="en-US" smtClean="0"/>
-              <a:t>2023/5/18</a:t>
+              <a:t>2023/5/24</a:t>
             </a:fld>
             <a:endParaRPr lang="zh-CN" altLang="en-US"/>
           </a:p>
@@ -3588,7 +3588,7 @@
           <a:p>
             <a:fld id="{FC19A4FA-3D9A-4114-B0D5-759CBD56F1AB}" type="datetimeFigureOut">
               <a:rPr lang="zh-CN" altLang="en-US" smtClean="0"/>
-              <a:t>2023/5/18</a:t>
+              <a:t>2023/5/24</a:t>
             </a:fld>
             <a:endParaRPr lang="zh-CN" altLang="en-US"/>
           </a:p>
@@ -3856,7 +3856,7 @@
           <a:p>
             <a:fld id="{FC19A4FA-3D9A-4114-B0D5-759CBD56F1AB}" type="datetimeFigureOut">
               <a:rPr lang="zh-CN" altLang="en-US" smtClean="0"/>
-              <a:t>2023/5/18</a:t>
+              <a:t>2023/5/24</a:t>
             </a:fld>
             <a:endParaRPr lang="zh-CN" altLang="en-US"/>
           </a:p>
@@ -3996,7 +3996,7 @@
           <a:p>
             <a:fld id="{FC19A4FA-3D9A-4114-B0D5-759CBD56F1AB}" type="datetimeFigureOut">
               <a:rPr lang="zh-CN" altLang="en-US" smtClean="0"/>
-              <a:t>2023/5/18</a:t>
+              <a:t>2023/5/24</a:t>
             </a:fld>
             <a:endParaRPr lang="zh-CN" altLang="en-US"/>
           </a:p>
@@ -4086,7 +4086,7 @@
           <a:p>
             <a:fld id="{FC19A4FA-3D9A-4114-B0D5-759CBD56F1AB}" type="datetimeFigureOut">
               <a:rPr lang="zh-CN" altLang="en-US" smtClean="0"/>
-              <a:t>2023/5/18</a:t>
+              <a:t>2023/5/24</a:t>
             </a:fld>
             <a:endParaRPr lang="zh-CN" altLang="en-US"/>
           </a:p>
@@ -4356,7 +4356,7 @@
           <a:p>
             <a:fld id="{FC19A4FA-3D9A-4114-B0D5-759CBD56F1AB}" type="datetimeFigureOut">
               <a:rPr lang="zh-CN" altLang="en-US" smtClean="0"/>
-              <a:t>2023/5/18</a:t>
+              <a:t>2023/5/24</a:t>
             </a:fld>
             <a:endParaRPr lang="zh-CN" altLang="en-US"/>
           </a:p>
@@ -4603,7 +4603,7 @@
           <a:p>
             <a:fld id="{FC19A4FA-3D9A-4114-B0D5-759CBD56F1AB}" type="datetimeFigureOut">
               <a:rPr lang="zh-CN" altLang="en-US" smtClean="0"/>
-              <a:t>2023/5/18</a:t>
+              <a:t>2023/5/24</a:t>
             </a:fld>
             <a:endParaRPr lang="zh-CN" altLang="en-US"/>
           </a:p>
@@ -4809,7 +4809,7 @@
           <a:p>
             <a:fld id="{FC19A4FA-3D9A-4114-B0D5-759CBD56F1AB}" type="datetimeFigureOut">
               <a:rPr lang="zh-CN" altLang="en-US" smtClean="0"/>
-              <a:t>2023/5/18</a:t>
+              <a:t>2023/5/24</a:t>
             </a:fld>
             <a:endParaRPr lang="zh-CN" altLang="en-US"/>
           </a:p>
